--- a/documentation/presentation/Projektskizze.pptx
+++ b/documentation/presentation/Projektskizze.pptx
@@ -2278,7 +2278,7 @@
         <p:spPr>
           <a:xfrm>
             <a:off x="504000" y="1769040"/>
-            <a:ext cx="8870040" cy="4384440"/>
+            <a:ext cx="8870040" cy="4384800"/>
           </a:xfrm>
           <a:prstGeom prst="rect">
             <a:avLst/>
@@ -2395,7 +2395,7 @@
           <a:bodyPr bIns="0" lIns="0" rIns="0" tIns="0" wrap="none"/>
           <a:p>
             <a:r>
-              <a:rPr lang="de-CH"/>
+              <a:rPr lang="de-CH" sz="1400"/>
               <a:t>&lt;date/time&gt;</a:t>
             </a:r>
             <a:endParaRPr/>
@@ -2426,7 +2426,7 @@
           <a:p>
             <a:pPr algn="ctr"/>
             <a:r>
-              <a:rPr lang="de-CH"/>
+              <a:rPr lang="de-CH" sz="1400"/>
               <a:t>&lt;footer&gt;</a:t>
             </a:r>
             <a:endParaRPr/>
@@ -2456,8 +2456,8 @@
           <a:bodyPr bIns="0" lIns="0" rIns="0" tIns="0" wrap="none"/>
           <a:p>
             <a:pPr algn="r"/>
-            <a:fld id="{79B2486C-DA04-4E7B-A004-D1C342B06A56}" type="slidenum">
-              <a:rPr lang="de-CH"/>
+            <a:fld id="{F8442043-B364-4176-8125-7349E57AC00D}" type="slidenum">
+              <a:rPr lang="de-CH" sz="1400"/>
               <a:t>&lt;number&gt;</a:t>
             </a:fld>
             <a:endParaRPr/>
@@ -2744,7 +2744,7 @@
           <a:bodyPr bIns="0" lIns="0" rIns="0" tIns="0" wrap="none"/>
           <a:p>
             <a:pPr algn="r"/>
-            <a:fld id="{4B484078-03FA-48A0-8F54-E5F98D0073B9}" type="slidenum">
+            <a:fld id="{492FD28C-BAE2-4E67-92DF-861D3AAFEFF8}" type="slidenum">
               <a:rPr lang="de-CH" sz="1400"/>
               <a:t>&lt;number&gt;</a:t>
             </a:fld>
@@ -2831,13 +2831,9 @@
           </a:prstGeom>
         </p:spPr>
         <p:txBody>
-          <a:bodyPr bIns="0" lIns="0" rIns="0" tIns="0" wrap="none"/>
-          <a:p>
-            <a:pPr algn="ctr">
-              <a:buSzPct val="45000"/>
-              <a:buFont typeface="StarSymbol"/>
-              <a:buChar char=""/>
-            </a:pPr>
+          <a:bodyPr anchor="ctr" bIns="0" lIns="0" rIns="0" tIns="0" wrap="none"/>
+          <a:p>
+            <a:pPr algn="ctr"/>
             <a:r>
               <a:rPr lang="de-CH"/>
               <a:t>Gruppe 1</a:t>
@@ -2845,35 +2841,18 @@
             <a:endParaRPr/>
           </a:p>
           <a:p>
-            <a:pPr algn="ctr">
-              <a:buSzPct val="45000"/>
-              <a:buFont typeface="StarSymbol"/>
-              <a:buChar char=""/>
-            </a:pPr>
-            <a:r>
-              <a:rPr lang="de-CH"/>
-              <a:t>PL: Daniel Magalhães-Ferreira</a:t>
-            </a:r>
-            <a:endParaRPr/>
-          </a:p>
-          <a:p>
-            <a:pPr algn="ctr">
-              <a:buSzPct val="45000"/>
-              <a:buFont typeface="StarSymbol"/>
-              <a:buChar char=""/>
-            </a:pPr>
-            <a:r>
-              <a:rPr lang="de-CH"/>
-              <a:t>Team: Christoph Hermann, Rafael Arizcorreta,</a:t>
-            </a:r>
-            <a:r>
-              <a:rPr lang="de-CH"/>
-              <a:t>
-</a:t>
-            </a:r>
-            <a:r>
-              <a:rPr lang="de-CH"/>
-              <a:t>Raphael Spörri</a:t>
+            <a:pPr algn="ctr"/>
+            <a:r>
+              <a:rPr lang="de-CH"/>
+              <a:t>PL: Daniel Magalhaes-Ferreira</a:t>
+            </a:r>
+            <a:endParaRPr/>
+          </a:p>
+          <a:p>
+            <a:pPr algn="ctr"/>
+            <a:r>
+              <a:rPr lang="de-CH"/>
+              <a:t>Team: C. Hermann, R. Arizcorreta, R. Spörri</a:t>
             </a:r>
             <a:endParaRPr/>
           </a:p>
@@ -2921,7 +2900,7 @@
           <a:p>
             <a:r>
               <a:rPr lang="de-CH"/>
-              <a:t>Fragen ?</a:t>
+              <a:t>Agenda</a:t>
             </a:r>
             <a:endParaRPr/>
           </a:p>
@@ -2935,16 +2914,85 @@
         </p:nvSpPr>
         <p:spPr>
           <a:xfrm>
-            <a:off x="504000" y="2095200"/>
-            <a:ext cx="8870040" cy="4384800"/>
-          </a:xfrm>
-          <a:prstGeom prst="rect">
-            <a:avLst/>
-          </a:prstGeom>
-        </p:spPr>
-        <p:txBody>
-          <a:bodyPr bIns="0" lIns="0" rIns="0" tIns="0" wrap="none"/>
-          <a:p>
+            <a:off x="504000" y="1769040"/>
+            <a:ext cx="8870040" cy="4384440"/>
+          </a:xfrm>
+          <a:prstGeom prst="rect">
+            <a:avLst/>
+          </a:prstGeom>
+        </p:spPr>
+        <p:txBody>
+          <a:bodyPr bIns="0" lIns="0" rIns="0" tIns="0" wrap="none"/>
+          <a:p>
+            <a:pPr>
+              <a:buSzPct val="45000"/>
+              <a:buFont typeface="StarSymbol"/>
+              <a:buChar char=""/>
+            </a:pPr>
+            <a:r>
+              <a:rPr lang="de-CH"/>
+              <a:t>Idee</a:t>
+            </a:r>
+            <a:endParaRPr/>
+          </a:p>
+          <a:p>
+            <a:pPr>
+              <a:buSzPct val="45000"/>
+              <a:buFont typeface="StarSymbol"/>
+              <a:buChar char=""/>
+            </a:pPr>
+            <a:r>
+              <a:rPr lang="de-CH"/>
+              <a:t>Hauptanwendungsfall</a:t>
+            </a:r>
+            <a:endParaRPr/>
+          </a:p>
+          <a:p>
+            <a:pPr>
+              <a:buSzPct val="45000"/>
+              <a:buFont typeface="StarSymbol"/>
+              <a:buChar char=""/>
+            </a:pPr>
+            <a:r>
+              <a:rPr lang="de-CH"/>
+              <a:t>Ressourcen / Risiken</a:t>
+            </a:r>
+            <a:endParaRPr/>
+          </a:p>
+          <a:p>
+            <a:pPr>
+              <a:buSzPct val="45000"/>
+              <a:buFont typeface="StarSymbol"/>
+              <a:buChar char=""/>
+            </a:pPr>
+            <a:r>
+              <a:rPr lang="de-CH"/>
+              <a:t>Grobplanung</a:t>
+            </a:r>
+            <a:endParaRPr/>
+          </a:p>
+          <a:p>
+            <a:pPr>
+              <a:buSzPct val="45000"/>
+              <a:buFont typeface="StarSymbol"/>
+              <a:buChar char=""/>
+            </a:pPr>
+            <a:r>
+              <a:rPr lang="de-CH"/>
+              <a:t>Kundennutzen / Wirtschaftlichkeit</a:t>
+            </a:r>
+            <a:endParaRPr/>
+          </a:p>
+          <a:p>
+            <a:pPr>
+              <a:buSzPct val="45000"/>
+              <a:buFont typeface="StarSymbol"/>
+              <a:buChar char=""/>
+            </a:pPr>
+            <a:r>
+              <a:rPr lang="de-CH"/>
+              <a:t>Fragen</a:t>
+            </a:r>
             <a:endParaRPr/>
           </a:p>
         </p:txBody>
@@ -2991,146 +3039,80 @@
           <a:p>
             <a:r>
               <a:rPr lang="de-CH"/>
-              <a:t>Agenda</a:t>
-            </a:r>
-            <a:endParaRPr/>
-          </a:p>
-        </p:txBody>
-      </p:sp>
-      <p:sp>
-        <p:nvSpPr>
-          <p:cNvPr id="80" name="TextShape 2"/>
-          <p:cNvSpPr txBox="1"/>
+              <a:t>Idee</a:t>
+            </a:r>
+            <a:endParaRPr/>
+          </a:p>
+        </p:txBody>
+      </p:sp>
+      <p:pic>
+        <p:nvPicPr>
+          <p:cNvPr descr="" id="80" name=""/>
+          <p:cNvPicPr/>
           <p:nvPr/>
-        </p:nvSpPr>
-        <p:spPr>
-          <a:xfrm>
-            <a:off x="504000" y="2095200"/>
-            <a:ext cx="8870040" cy="4384800"/>
-          </a:xfrm>
-          <a:prstGeom prst="rect">
-            <a:avLst/>
-          </a:prstGeom>
-        </p:spPr>
-        <p:txBody>
-          <a:bodyPr bIns="0" lIns="0" rIns="0" tIns="0" wrap="none"/>
-          <a:p>
-            <a:pPr>
-              <a:buSzPct val="45000"/>
-              <a:buFont typeface="StarSymbol"/>
-              <a:buChar char=""/>
-            </a:pPr>
-            <a:r>
-              <a:rPr lang="de-CH"/>
-              <a:t>Idee</a:t>
-            </a:r>
-            <a:endParaRPr/>
-          </a:p>
-          <a:p>
-            <a:pPr>
-              <a:buSzPct val="45000"/>
-              <a:buFont typeface="StarSymbol"/>
-              <a:buChar char=""/>
-            </a:pPr>
-            <a:r>
-              <a:rPr lang="de-CH"/>
-              <a:t>Hauptanwendungsfall</a:t>
-            </a:r>
-            <a:endParaRPr/>
-          </a:p>
-          <a:p>
-            <a:pPr>
-              <a:buSzPct val="45000"/>
-              <a:buFont typeface="StarSymbol"/>
-              <a:buChar char=""/>
-            </a:pPr>
-            <a:r>
-              <a:rPr lang="de-CH"/>
-              <a:t>Weitere Anforderungen</a:t>
-            </a:r>
-            <a:endParaRPr/>
-          </a:p>
-          <a:p>
-            <a:pPr>
-              <a:buSzPct val="45000"/>
-              <a:buFont typeface="StarSymbol"/>
-              <a:buChar char=""/>
-            </a:pPr>
-            <a:r>
-              <a:rPr lang="de-CH"/>
-              <a:t>Ressourcen / Risiken</a:t>
-            </a:r>
-            <a:endParaRPr/>
-          </a:p>
-          <a:p>
-            <a:pPr>
-              <a:buSzPct val="45000"/>
-              <a:buFont typeface="StarSymbol"/>
-              <a:buChar char=""/>
-            </a:pPr>
-            <a:r>
-              <a:rPr lang="de-CH"/>
-              <a:t>Grobplanung</a:t>
-            </a:r>
-            <a:endParaRPr/>
-          </a:p>
-          <a:p>
-            <a:pPr>
-              <a:buSzPct val="45000"/>
-              <a:buFont typeface="StarSymbol"/>
-              <a:buChar char=""/>
-            </a:pPr>
-            <a:r>
-              <a:rPr lang="de-CH"/>
-              <a:t>Kundennutzen / Wirtschaftlichkeit</a:t>
-            </a:r>
-            <a:endParaRPr/>
-          </a:p>
-          <a:p>
-            <a:pPr>
-              <a:buSzPct val="45000"/>
-              <a:buFont typeface="StarSymbol"/>
-              <a:buChar char=""/>
-            </a:pPr>
-            <a:r>
-              <a:rPr lang="de-CH"/>
-              <a:t>Fragen</a:t>
-            </a:r>
-            <a:endParaRPr/>
-          </a:p>
-        </p:txBody>
-      </p:sp>
+        </p:nvPicPr>
+        <p:blipFill>
+          <a:blip r:embed="rId1"/>
+          <a:stretch>
+            <a:fillRect/>
+          </a:stretch>
+        </p:blipFill>
+        <p:spPr>
+          <a:xfrm>
+            <a:off x="6192360" y="1836360"/>
+            <a:ext cx="3239640" cy="4463640"/>
+          </a:xfrm>
+          <a:prstGeom prst="rect">
+            <a:avLst/>
+          </a:prstGeom>
+        </p:spPr>
+      </p:pic>
+      <p:pic>
+        <p:nvPicPr>
+          <p:cNvPr descr="" id="81" name=""/>
+          <p:cNvPicPr/>
+          <p:nvPr/>
+        </p:nvPicPr>
+        <p:blipFill>
+          <a:blip r:embed="rId2"/>
+          <a:stretch>
+            <a:fillRect/>
+          </a:stretch>
+        </p:blipFill>
+        <p:spPr>
+          <a:xfrm>
+            <a:off x="360000" y="1689840"/>
+            <a:ext cx="5542200" cy="4152960"/>
+          </a:xfrm>
+          <a:prstGeom prst="rect">
+            <a:avLst/>
+          </a:prstGeom>
+        </p:spPr>
+      </p:pic>
+      <p:pic>
+        <p:nvPicPr>
+          <p:cNvPr descr="" id="82" name=""/>
+          <p:cNvPicPr/>
+          <p:nvPr/>
+        </p:nvPicPr>
+        <p:blipFill>
+          <a:blip r:embed="rId3"/>
+          <a:stretch>
+            <a:fillRect/>
+          </a:stretch>
+        </p:blipFill>
+        <p:spPr>
+          <a:xfrm>
+            <a:off x="718200" y="2304000"/>
+            <a:ext cx="5184000" cy="3024000"/>
+          </a:xfrm>
+          <a:prstGeom prst="rect">
+            <a:avLst/>
+          </a:prstGeom>
+        </p:spPr>
+      </p:pic>
     </p:spTree>
   </p:cSld>
-  <p:timing>
-    <p:tnLst>
-      <p:par>
-        <p:cTn dur="indefinite" id="1" nodeType="tmRoot" restart="never">
-          <p:childTnLst>
-            <p:seq>
-              <p:cTn id="2" nodeType="mainSeq">
-                <p:childTnLst/>
-              </p:cTn>
-              <p:prevCondLst>
-                <p:cond delay="0" evt="onPrev">
-                  <p:tgtEl>
-                    <p:sldTgt/>
-                  </p:tgtEl>
-                </p:cond>
-              </p:prevCondLst>
-              <p:nextCondLst>
-                <p:cond delay="0" evt="onNext">
-                  <p:tgtEl>
-                    <p:sldTgt/>
-                  </p:tgtEl>
-                </p:cond>
-              </p:nextCondLst>
-            </p:seq>
-          </p:childTnLst>
-        </p:cTn>
-      </p:par>
-    </p:tnLst>
-  </p:timing>
 </p:sld>
 </file>
 
@@ -3153,7 +3135,7 @@
       </p:grpSpPr>
       <p:sp>
         <p:nvSpPr>
-          <p:cNvPr id="81" name="TextShape 1"/>
+          <p:cNvPr id="83" name="TextShape 1"/>
           <p:cNvSpPr txBox="1"/>
           <p:nvPr/>
         </p:nvSpPr>
@@ -3171,7 +3153,122 @@
           <a:p>
             <a:r>
               <a:rPr lang="de-CH"/>
-              <a:t>Idee</a:t>
+              <a:t>Hauptanwendungsfall</a:t>
+            </a:r>
+            <a:endParaRPr/>
+          </a:p>
+        </p:txBody>
+      </p:sp>
+      <p:sp>
+        <p:nvSpPr>
+          <p:cNvPr id="84" name="TextShape 2"/>
+          <p:cNvSpPr txBox="1"/>
+          <p:nvPr/>
+        </p:nvSpPr>
+        <p:spPr>
+          <a:xfrm>
+            <a:off x="705960" y="2023200"/>
+            <a:ext cx="8870040" cy="4384800"/>
+          </a:xfrm>
+          <a:prstGeom prst="rect">
+            <a:avLst/>
+          </a:prstGeom>
+        </p:spPr>
+        <p:txBody>
+          <a:bodyPr bIns="0" lIns="0" rIns="0" tIns="0" wrap="none"/>
+          <a:p>
+            <a:pPr>
+              <a:buSzPct val="45000"/>
+              <a:buFont typeface="StarSymbol"/>
+              <a:buChar char=""/>
+            </a:pPr>
+            <a:r>
+              <a:rPr lang="de-CH"/>
+              <a:t>Hauptmenu</a:t>
+            </a:r>
+            <a:endParaRPr/>
+          </a:p>
+          <a:p>
+            <a:pPr lvl="1">
+              <a:buSzPct val="75000"/>
+              <a:buFont typeface="StarSymbol"/>
+              <a:buChar char=""/>
+            </a:pPr>
+            <a:r>
+              <a:rPr lang="de-CH"/>
+              <a:t>Starten </a:t>
+            </a:r>
+            <a:endParaRPr/>
+          </a:p>
+          <a:p>
+            <a:pPr lvl="1">
+              <a:buSzPct val="75000"/>
+              <a:buFont typeface="StarSymbol"/>
+              <a:buChar char=""/>
+            </a:pPr>
+            <a:r>
+              <a:rPr lang="de-CH"/>
+              <a:t>Optionen</a:t>
+            </a:r>
+            <a:endParaRPr/>
+          </a:p>
+          <a:p>
+            <a:pPr lvl="1">
+              <a:buSzPct val="75000"/>
+              <a:buFont typeface="StarSymbol"/>
+              <a:buChar char=""/>
+            </a:pPr>
+            <a:r>
+              <a:rPr lang="de-CH"/>
+              <a:t>Highscore</a:t>
+            </a:r>
+            <a:endParaRPr/>
+          </a:p>
+          <a:p>
+            <a:pPr>
+              <a:buSzPct val="45000"/>
+              <a:buFont typeface="StarSymbol"/>
+              <a:buChar char=""/>
+            </a:pPr>
+            <a:r>
+              <a:rPr lang="de-CH"/>
+              <a:t>Spiel</a:t>
+            </a:r>
+            <a:endParaRPr/>
+          </a:p>
+          <a:p>
+            <a:pPr lvl="1">
+              <a:buSzPct val="75000"/>
+              <a:buFont typeface="StarSymbol"/>
+              <a:buChar char=""/>
+            </a:pPr>
+            <a:r>
+              <a:rPr lang="de-CH"/>
+              <a:t>Punkte</a:t>
+            </a:r>
+            <a:endParaRPr/>
+          </a:p>
+          <a:p>
+            <a:pPr lvl="1">
+              <a:buSzPct val="75000"/>
+              <a:buFont typeface="StarSymbol"/>
+              <a:buChar char=""/>
+            </a:pPr>
+            <a:r>
+              <a:rPr lang="de-CH"/>
+              <a:t>Powerups</a:t>
+            </a:r>
+            <a:endParaRPr/>
+          </a:p>
+          <a:p>
+            <a:pPr>
+              <a:buSzPct val="45000"/>
+              <a:buFont typeface="StarSymbol"/>
+              <a:buChar char=""/>
+            </a:pPr>
+            <a:r>
+              <a:rPr lang="de-CH"/>
+              <a:t>Highscore</a:t>
             </a:r>
             <a:endParaRPr/>
           </a:p>
@@ -3179,7 +3276,7 @@
       </p:sp>
       <p:pic>
         <p:nvPicPr>
-          <p:cNvPr descr="" id="82" name=""/>
+          <p:cNvPr descr="" id="85" name=""/>
           <p:cNvPicPr/>
           <p:nvPr/>
         </p:nvPicPr>
@@ -3191,8 +3288,30 @@
         </p:blipFill>
         <p:spPr>
           <a:xfrm>
-            <a:off x="5544000" y="2160000"/>
-            <a:ext cx="3240000" cy="4464000"/>
+            <a:off x="5943240" y="2376000"/>
+            <a:ext cx="2971080" cy="2088000"/>
+          </a:xfrm>
+          <a:prstGeom prst="rect">
+            <a:avLst/>
+          </a:prstGeom>
+        </p:spPr>
+      </p:pic>
+      <p:pic>
+        <p:nvPicPr>
+          <p:cNvPr descr="" id="86" name=""/>
+          <p:cNvPicPr/>
+          <p:nvPr/>
+        </p:nvPicPr>
+        <p:blipFill>
+          <a:blip r:embed="rId2"/>
+          <a:stretch>
+            <a:fillRect/>
+          </a:stretch>
+        </p:blipFill>
+        <p:spPr>
+          <a:xfrm>
+            <a:off x="2952000" y="2376000"/>
+            <a:ext cx="3579480" cy="2088000"/>
           </a:xfrm>
           <a:prstGeom prst="rect">
             <a:avLst/>
@@ -3223,14 +3342,14 @@
       </p:grpSpPr>
       <p:sp>
         <p:nvSpPr>
-          <p:cNvPr id="83" name="TextShape 1"/>
+          <p:cNvPr id="87" name="TextShape 1"/>
           <p:cNvSpPr txBox="1"/>
           <p:nvPr/>
         </p:nvSpPr>
         <p:spPr>
           <a:xfrm>
-            <a:off x="432000" y="648000"/>
-            <a:ext cx="7056000" cy="648000"/>
+            <a:off x="504000" y="301320"/>
+            <a:ext cx="9071640" cy="1262160"/>
           </a:xfrm>
           <a:prstGeom prst="rect">
             <a:avLst/>
@@ -3241,15 +3360,15 @@
           <a:p>
             <a:r>
               <a:rPr lang="de-CH"/>
-              <a:t>Hauptanwendungsfall</a:t>
-            </a:r>
-            <a:endParaRPr/>
-          </a:p>
-        </p:txBody>
-      </p:sp>
-      <p:sp>
-        <p:nvSpPr>
-          <p:cNvPr id="84" name="TextShape 2"/>
+              <a:t>Weitere Anforderungen</a:t>
+            </a:r>
+            <a:endParaRPr/>
+          </a:p>
+        </p:txBody>
+      </p:sp>
+      <p:sp>
+        <p:nvSpPr>
+          <p:cNvPr id="88" name="TextShape 2"/>
           <p:cNvSpPr txBox="1"/>
           <p:nvPr/>
         </p:nvSpPr>
@@ -3265,6 +3384,147 @@
         <p:txBody>
           <a:bodyPr bIns="0" lIns="0" rIns="0" tIns="0" wrap="none"/>
           <a:p>
+            <a:pPr>
+              <a:buSzPct val="45000"/>
+              <a:buFont typeface="StarSymbol"/>
+              <a:buChar char=""/>
+            </a:pPr>
+            <a:r>
+              <a:rPr lang="de-CH"/>
+              <a:t>Spiel Optionen</a:t>
+            </a:r>
+            <a:endParaRPr/>
+          </a:p>
+          <a:p>
+            <a:pPr lvl="1">
+              <a:buSzPct val="75000"/>
+              <a:buFont typeface="StarSymbol"/>
+              <a:buChar char=""/>
+            </a:pPr>
+            <a:r>
+              <a:rPr lang="de-CH"/>
+              <a:t>Ambiente-Musik ein/aus</a:t>
+            </a:r>
+            <a:endParaRPr/>
+          </a:p>
+          <a:p>
+            <a:pPr lvl="1">
+              <a:buSzPct val="75000"/>
+              <a:buFont typeface="StarSymbol"/>
+              <a:buChar char=""/>
+            </a:pPr>
+            <a:r>
+              <a:rPr lang="de-CH"/>
+              <a:t>Sfx ein/aus</a:t>
+            </a:r>
+            <a:endParaRPr/>
+          </a:p>
+          <a:p>
+            <a:pPr lvl="1">
+              <a:buSzPct val="75000"/>
+              <a:buFont typeface="StarSymbol"/>
+              <a:buChar char=""/>
+            </a:pPr>
+            <a:r>
+              <a:rPr lang="de-CH"/>
+              <a:t>Alternative Steuerung</a:t>
+            </a:r>
+            <a:endParaRPr/>
+          </a:p>
+          <a:p>
+            <a:pPr>
+              <a:buSzPct val="45000"/>
+              <a:buFont typeface="StarSymbol"/>
+              <a:buChar char=""/>
+            </a:pPr>
+            <a:r>
+              <a:rPr lang="de-CH"/>
+              <a:t>Abgrenzung</a:t>
+            </a:r>
+            <a:endParaRPr/>
+          </a:p>
+          <a:p>
+            <a:pPr lvl="1">
+              <a:buSzPct val="75000"/>
+              <a:buFont typeface="StarSymbol"/>
+              <a:buChar char=""/>
+            </a:pPr>
+            <a:r>
+              <a:rPr lang="de-CH"/>
+              <a:t>Android 2.3.3</a:t>
+            </a:r>
+            <a:endParaRPr/>
+          </a:p>
+          <a:p>
+            <a:pPr lvl="1">
+              <a:buSzPct val="75000"/>
+              <a:buFont typeface="StarSymbol"/>
+              <a:buChar char=""/>
+            </a:pPr>
+            <a:r>
+              <a:rPr lang="de-CH"/>
+              <a:t>OpenGL</a:t>
+            </a:r>
+            <a:endParaRPr/>
+          </a:p>
+          <a:p>
+            <a:pPr>
+              <a:buSzPct val="45000"/>
+              <a:buFont typeface="StarSymbol"/>
+              <a:buChar char=""/>
+            </a:pPr>
+            <a:r>
+              <a:rPr lang="de-CH"/>
+              <a:t>Weitere Ideen</a:t>
+            </a:r>
+            <a:endParaRPr/>
+          </a:p>
+          <a:p>
+            <a:pPr lvl="1">
+              <a:buSzPct val="75000"/>
+              <a:buFont typeface="StarSymbol"/>
+              <a:buChar char=""/>
+            </a:pPr>
+            <a:r>
+              <a:rPr lang="de-CH"/>
+              <a:t>Diverse Spaceships</a:t>
+            </a:r>
+            <a:endParaRPr/>
+          </a:p>
+          <a:p>
+            <a:pPr lvl="1">
+              <a:buSzPct val="75000"/>
+              <a:buFont typeface="StarSymbol"/>
+              <a:buChar char=""/>
+            </a:pPr>
+            <a:r>
+              <a:rPr lang="de-CH"/>
+              <a:t>Schwierigkeitsgrade</a:t>
+            </a:r>
+            <a:endParaRPr/>
+          </a:p>
+          <a:p>
+            <a:pPr lvl="1">
+              <a:buSzPct val="75000"/>
+              <a:buFont typeface="StarSymbol"/>
+              <a:buChar char=""/>
+            </a:pPr>
+            <a:r>
+              <a:rPr lang="de-CH"/>
+              <a:t>Time-Attack Modus</a:t>
+            </a:r>
+            <a:endParaRPr/>
+          </a:p>
+          <a:p>
+            <a:pPr lvl="1">
+              <a:buSzPct val="75000"/>
+              <a:buFont typeface="StarSymbol"/>
+              <a:buChar char=""/>
+            </a:pPr>
+            <a:r>
+              <a:rPr lang="de-CH"/>
+              <a:t>Online Rangliste</a:t>
+            </a:r>
             <a:endParaRPr/>
           </a:p>
         </p:txBody>
@@ -3293,7 +3553,7 @@
       </p:grpSpPr>
       <p:sp>
         <p:nvSpPr>
-          <p:cNvPr id="85" name="TextShape 1"/>
+          <p:cNvPr id="89" name="TextShape 1"/>
           <p:cNvSpPr txBox="1"/>
           <p:nvPr/>
         </p:nvSpPr>
@@ -3311,15 +3571,15 @@
           <a:p>
             <a:r>
               <a:rPr lang="de-CH"/>
-              <a:t>Weitere Anforderungen</a:t>
-            </a:r>
-            <a:endParaRPr/>
-          </a:p>
-        </p:txBody>
-      </p:sp>
-      <p:sp>
-        <p:nvSpPr>
-          <p:cNvPr id="86" name="TextShape 2"/>
+              <a:t>Ressourcen / Risiken</a:t>
+            </a:r>
+            <a:endParaRPr/>
+          </a:p>
+        </p:txBody>
+      </p:sp>
+      <p:sp>
+        <p:nvSpPr>
+          <p:cNvPr id="90" name="TextShape 2"/>
           <p:cNvSpPr txBox="1"/>
           <p:nvPr/>
         </p:nvSpPr>
@@ -3342,7 +3602,7 @@
             </a:pPr>
             <a:r>
               <a:rPr lang="de-CH"/>
-              <a:t>Spiel Optionen</a:t>
+              <a:t>Ressourcen</a:t>
             </a:r>
             <a:endParaRPr/>
           </a:p>
@@ -3354,7 +3614,7 @@
             </a:pPr>
             <a:r>
               <a:rPr lang="de-CH"/>
-              <a:t>Ambiente-Musik ein/aus</a:t>
+              <a:t>OpenGL-Framework (LibGdx)</a:t>
             </a:r>
             <a:endParaRPr/>
           </a:p>
@@ -3366,7 +3626,31 @@
             </a:pPr>
             <a:r>
               <a:rPr lang="de-CH"/>
-              <a:t>Soundeffekte ein/aus</a:t>
+              <a:t>Knowhow</a:t>
+            </a:r>
+            <a:endParaRPr/>
+          </a:p>
+          <a:p>
+            <a:pPr lvl="2">
+              <a:buSzPct val="45000"/>
+              <a:buFont typeface="StarSymbol"/>
+              <a:buChar char=""/>
+            </a:pPr>
+            <a:r>
+              <a:rPr lang="de-CH"/>
+              <a:t>Java, Android, Projektmanagement</a:t>
+            </a:r>
+            <a:endParaRPr/>
+          </a:p>
+          <a:p>
+            <a:pPr>
+              <a:buSzPct val="45000"/>
+              <a:buFont typeface="StarSymbol"/>
+              <a:buChar char=""/>
+            </a:pPr>
+            <a:r>
+              <a:rPr lang="de-CH"/>
+              <a:t>Risiken</a:t>
             </a:r>
             <a:endParaRPr/>
           </a:p>
@@ -3378,19 +3662,7 @@
             </a:pPr>
             <a:r>
               <a:rPr lang="de-CH"/>
-              <a:t>Steuerung umstellen</a:t>
-            </a:r>
-            <a:endParaRPr/>
-          </a:p>
-          <a:p>
-            <a:pPr>
-              <a:buSzPct val="45000"/>
-              <a:buFont typeface="StarSymbol"/>
-              <a:buChar char=""/>
-            </a:pPr>
-            <a:r>
-              <a:rPr lang="de-CH"/>
-              <a:t>Abgrenzung</a:t>
+              <a:t>LibGdx</a:t>
             </a:r>
             <a:endParaRPr/>
           </a:p>
@@ -3402,31 +3674,7 @@
             </a:pPr>
             <a:r>
               <a:rPr lang="de-CH"/>
-              <a:t>Android 2.3.3</a:t>
-            </a:r>
-            <a:endParaRPr/>
-          </a:p>
-          <a:p>
-            <a:pPr lvl="1">
-              <a:buSzPct val="75000"/>
-              <a:buFont typeface="StarSymbol"/>
-              <a:buChar char=""/>
-            </a:pPr>
-            <a:r>
-              <a:rPr lang="de-CH"/>
-              <a:t>OpenGL</a:t>
-            </a:r>
-            <a:endParaRPr/>
-          </a:p>
-          <a:p>
-            <a:pPr>
-              <a:buSzPct val="45000"/>
-              <a:buFont typeface="StarSymbol"/>
-              <a:buChar char=""/>
-            </a:pPr>
-            <a:r>
-              <a:rPr lang="de-CH"/>
-              <a:t>Weitere Ideen</a:t>
+              <a:t>Design</a:t>
             </a:r>
             <a:endParaRPr/>
           </a:p>
@@ -3456,7 +3704,7 @@
       </p:grpSpPr>
       <p:sp>
         <p:nvSpPr>
-          <p:cNvPr id="87" name="TextShape 1"/>
+          <p:cNvPr id="91" name="TextShape 1"/>
           <p:cNvSpPr txBox="1"/>
           <p:nvPr/>
         </p:nvSpPr>
@@ -3474,124 +3722,7 @@
           <a:p>
             <a:r>
               <a:rPr lang="de-CH"/>
-              <a:t>Ressourcen / Risiken</a:t>
-            </a:r>
-            <a:endParaRPr/>
-          </a:p>
-        </p:txBody>
-      </p:sp>
-      <p:sp>
-        <p:nvSpPr>
-          <p:cNvPr id="88" name="TextShape 2"/>
-          <p:cNvSpPr txBox="1"/>
-          <p:nvPr/>
-        </p:nvSpPr>
-        <p:spPr>
-          <a:xfrm>
-            <a:off x="504000" y="2095200"/>
-            <a:ext cx="8870040" cy="4384800"/>
-          </a:xfrm>
-          <a:prstGeom prst="rect">
-            <a:avLst/>
-          </a:prstGeom>
-        </p:spPr>
-        <p:txBody>
-          <a:bodyPr bIns="0" lIns="0" rIns="0" tIns="0" wrap="none"/>
-          <a:p>
-            <a:pPr>
-              <a:buSzPct val="45000"/>
-              <a:buFont typeface="StarSymbol"/>
-              <a:buChar char=""/>
-            </a:pPr>
-            <a:r>
-              <a:rPr lang="de-CH"/>
-              <a:t>OpenGL-Framework (L</a:t>
-            </a:r>
-            <a:r>
-              <a:rPr lang="de-CH" sz="2800">
-                <a:solidFill>
-                  <a:srgbClr val="000000"/>
-                </a:solidFill>
-                <a:latin typeface="Arial"/>
-                <a:ea typeface="Arial"/>
-              </a:rPr>
-              <a:t>ibGdx</a:t>
-            </a:r>
-            <a:r>
-              <a:rPr lang="de-CH"/>
-              <a:t>)</a:t>
-            </a:r>
-            <a:endParaRPr/>
-          </a:p>
-          <a:p>
-            <a:pPr>
-              <a:buSzPct val="45000"/>
-              <a:buFont typeface="StarSymbol"/>
-              <a:buChar char=""/>
-            </a:pPr>
-            <a:r>
-              <a:rPr lang="de-CH"/>
-              <a:t>Knowhow</a:t>
-            </a:r>
-            <a:endParaRPr/>
-          </a:p>
-          <a:p>
-            <a:pPr lvl="1">
-              <a:buSzPct val="75000"/>
-              <a:buFont typeface="StarSymbol"/>
-              <a:buChar char=""/>
-            </a:pPr>
-            <a:r>
-              <a:rPr lang="de-CH"/>
-              <a:t>Java, Android, Projektmanagement</a:t>
-            </a:r>
-            <a:endParaRPr/>
-          </a:p>
-          <a:p>
-            <a:pPr>
-              <a:buSzPct val="45000"/>
-              <a:buFont typeface="StarSymbol"/>
-              <a:buChar char=""/>
-            </a:pPr>
-            <a:r>
-              <a:rPr lang="de-CH"/>
-              <a:t>Benötigte Weiterbildung</a:t>
-            </a:r>
-            <a:endParaRPr/>
-          </a:p>
-          <a:p>
-            <a:pPr lvl="1">
-              <a:buSzPct val="75000"/>
-              <a:buFont typeface="StarSymbol"/>
-              <a:buChar char=""/>
-            </a:pPr>
-            <a:r>
-              <a:rPr lang="de-CH"/>
-              <a:t>Design, LibGdx</a:t>
-            </a:r>
-            <a:endParaRPr/>
-          </a:p>
-          <a:p>
-            <a:pPr>
-              <a:buSzPct val="45000"/>
-              <a:buFont typeface="StarSymbol"/>
-              <a:buChar char=""/>
-            </a:pPr>
-            <a:r>
-              <a:rPr lang="de-CH"/>
-              <a:t>Risiken</a:t>
-            </a:r>
-            <a:endParaRPr/>
-          </a:p>
-          <a:p>
-            <a:pPr lvl="1">
-              <a:buSzPct val="75000"/>
-              <a:buFont typeface="StarSymbol"/>
-              <a:buChar char=""/>
-            </a:pPr>
-            <a:r>
-              <a:rPr lang="de-CH"/>
-              <a:t>LibGdx</a:t>
+              <a:t>Grobplanung</a:t>
             </a:r>
             <a:endParaRPr/>
           </a:p>
@@ -3599,35 +3730,6 @@
       </p:sp>
     </p:spTree>
   </p:cSld>
-  <p:timing>
-    <p:tnLst>
-      <p:par>
-        <p:cTn dur="indefinite" id="3" nodeType="tmRoot" restart="never">
-          <p:childTnLst>
-            <p:seq>
-              <p:cTn id="4" nodeType="mainSeq">
-                <p:childTnLst/>
-              </p:cTn>
-              <p:prevCondLst>
-                <p:cond delay="0" evt="onPrev">
-                  <p:tgtEl>
-                    <p:sldTgt/>
-                  </p:tgtEl>
-                </p:cond>
-              </p:prevCondLst>
-              <p:nextCondLst>
-                <p:cond delay="0" evt="onNext">
-                  <p:tgtEl>
-                    <p:sldTgt/>
-                  </p:tgtEl>
-                </p:cond>
-              </p:nextCondLst>
-            </p:seq>
-          </p:childTnLst>
-        </p:cTn>
-      </p:par>
-    </p:tnLst>
-  </p:timing>
 </p:sld>
 </file>
 
@@ -3650,7 +3752,7 @@
       </p:grpSpPr>
       <p:sp>
         <p:nvSpPr>
-          <p:cNvPr id="89" name="TextShape 1"/>
+          <p:cNvPr id="92" name="TextShape 1"/>
           <p:cNvSpPr txBox="1"/>
           <p:nvPr/>
         </p:nvSpPr>
@@ -3668,7 +3770,122 @@
           <a:p>
             <a:r>
               <a:rPr lang="de-CH"/>
-              <a:t>Grobplanung</a:t>
+              <a:t>Kundennutzen / Wirtschaftlichkeit</a:t>
+            </a:r>
+            <a:endParaRPr/>
+          </a:p>
+        </p:txBody>
+      </p:sp>
+      <p:sp>
+        <p:nvSpPr>
+          <p:cNvPr id="93" name="TextShape 2"/>
+          <p:cNvSpPr txBox="1"/>
+          <p:nvPr/>
+        </p:nvSpPr>
+        <p:spPr>
+          <a:xfrm>
+            <a:off x="504000" y="1769040"/>
+            <a:ext cx="8870040" cy="4384440"/>
+          </a:xfrm>
+          <a:prstGeom prst="rect">
+            <a:avLst/>
+          </a:prstGeom>
+        </p:spPr>
+        <p:txBody>
+          <a:bodyPr bIns="0" lIns="0" rIns="0" tIns="0" wrap="none"/>
+          <a:p>
+            <a:pPr>
+              <a:buSzPct val="45000"/>
+              <a:buFont typeface="StarSymbol"/>
+              <a:buChar char=""/>
+            </a:pPr>
+            <a:r>
+              <a:rPr lang="de-CH"/>
+              <a:t>Kundennutzen</a:t>
+            </a:r>
+            <a:endParaRPr/>
+          </a:p>
+          <a:p>
+            <a:pPr lvl="1">
+              <a:buSzPct val="75000"/>
+              <a:buFont typeface="StarSymbol"/>
+              <a:buChar char=""/>
+            </a:pPr>
+            <a:r>
+              <a:rPr lang="de-CH"/>
+              <a:t>Spass am Spiel</a:t>
+            </a:r>
+            <a:endParaRPr/>
+          </a:p>
+          <a:p>
+            <a:pPr lvl="1">
+              <a:buSzPct val="75000"/>
+              <a:buFont typeface="StarSymbol"/>
+              <a:buChar char=""/>
+            </a:pPr>
+            <a:r>
+              <a:rPr lang="de-CH"/>
+              <a:t>Wartezeiten verschönern</a:t>
+            </a:r>
+            <a:endParaRPr/>
+          </a:p>
+          <a:p>
+            <a:pPr>
+              <a:buSzPct val="45000"/>
+              <a:buFont typeface="StarSymbol"/>
+              <a:buChar char=""/>
+            </a:pPr>
+            <a:r>
+              <a:rPr lang="de-CH"/>
+              <a:t>Wirtschaftlichkeit</a:t>
+            </a:r>
+            <a:endParaRPr/>
+          </a:p>
+          <a:p>
+            <a:pPr lvl="1">
+              <a:buSzPct val="75000"/>
+              <a:buFont typeface="StarSymbol"/>
+              <a:buChar char=""/>
+            </a:pPr>
+            <a:r>
+              <a:rPr lang="de-CH"/>
+              <a:t>Kostenansatz 200.-</a:t>
+            </a:r>
+            <a:endParaRPr/>
+          </a:p>
+          <a:p>
+            <a:pPr lvl="1">
+              <a:buSzPct val="75000"/>
+              <a:buFont typeface="StarSymbol"/>
+              <a:buChar char=""/>
+            </a:pPr>
+            <a:r>
+              <a:rPr lang="de-CH"/>
+              <a:t>384 Mannstunden</a:t>
+            </a:r>
+            <a:endParaRPr/>
+          </a:p>
+          <a:p>
+            <a:pPr lvl="1">
+              <a:buSzPct val="75000"/>
+              <a:buFont typeface="StarSymbol"/>
+              <a:buChar char=""/>
+            </a:pPr>
+            <a:r>
+              <a:rPr lang="de-CH"/>
+              <a:t>App-Preis 2.-</a:t>
+            </a:r>
+            <a:endParaRPr/>
+          </a:p>
+          <a:p>
+            <a:pPr lvl="1">
+              <a:buSzPct val="75000"/>
+              <a:buFont typeface="StarSymbol"/>
+              <a:buChar char=""/>
+            </a:pPr>
+            <a:r>
+              <a:rPr lang="de-CH"/>
+              <a:t>Ziel: 40'000 Downloads</a:t>
             </a:r>
             <a:endParaRPr/>
           </a:p>
@@ -3698,7 +3915,7 @@
       </p:grpSpPr>
       <p:sp>
         <p:nvSpPr>
-          <p:cNvPr id="90" name="TextShape 1"/>
+          <p:cNvPr id="94" name="TextShape 1"/>
           <p:cNvSpPr txBox="1"/>
           <p:nvPr/>
         </p:nvSpPr>
@@ -3716,15 +3933,15 @@
           <a:p>
             <a:r>
               <a:rPr lang="de-CH"/>
-              <a:t>Kundennutzen / Wirtschaftlichkeit</a:t>
-            </a:r>
-            <a:endParaRPr/>
-          </a:p>
-        </p:txBody>
-      </p:sp>
-      <p:sp>
-        <p:nvSpPr>
-          <p:cNvPr id="91" name="TextShape 2"/>
+              <a:t>Fragen</a:t>
+            </a:r>
+            <a:endParaRPr/>
+          </a:p>
+        </p:txBody>
+      </p:sp>
+      <p:sp>
+        <p:nvSpPr>
+          <p:cNvPr id="95" name="TextShape 2"/>
           <p:cNvSpPr txBox="1"/>
           <p:nvPr/>
         </p:nvSpPr>
@@ -3740,134 +3957,12 @@
         <p:txBody>
           <a:bodyPr bIns="0" lIns="0" rIns="0" tIns="0" wrap="none"/>
           <a:p>
-            <a:pPr>
-              <a:buSzPct val="45000"/>
-              <a:buFont typeface="StarSymbol"/>
-              <a:buChar char=""/>
-            </a:pPr>
-            <a:r>
-              <a:rPr lang="de-CH"/>
-              <a:t>Kundennutzen</a:t>
-            </a:r>
-            <a:endParaRPr/>
-          </a:p>
-          <a:p>
-            <a:pPr lvl="1">
-              <a:buSzPct val="75000"/>
-              <a:buFont typeface="StarSymbol"/>
-              <a:buChar char=""/>
-            </a:pPr>
-            <a:r>
-              <a:rPr lang="de-CH"/>
-              <a:t>Spass am Spiel</a:t>
-            </a:r>
-            <a:endParaRPr/>
-          </a:p>
-          <a:p>
-            <a:pPr lvl="1">
-              <a:buSzPct val="75000"/>
-              <a:buFont typeface="StarSymbol"/>
-              <a:buChar char=""/>
-            </a:pPr>
-            <a:r>
-              <a:rPr lang="de-CH"/>
-              <a:t>Wartezeiten verschönern</a:t>
-            </a:r>
-            <a:endParaRPr/>
-          </a:p>
-          <a:p>
-            <a:pPr>
-              <a:buSzPct val="45000"/>
-              <a:buFont typeface="StarSymbol"/>
-              <a:buChar char=""/>
-            </a:pPr>
-            <a:r>
-              <a:rPr lang="de-CH"/>
-              <a:t>Wirtschaftlichkeit</a:t>
-            </a:r>
-            <a:endParaRPr/>
-          </a:p>
-          <a:p>
-            <a:pPr lvl="1">
-              <a:buSzPct val="75000"/>
-              <a:buFont typeface="StarSymbol"/>
-              <a:buChar char=""/>
-            </a:pPr>
-            <a:r>
-              <a:rPr lang="de-CH"/>
-              <a:t>Kostenansatz 200.-</a:t>
-            </a:r>
-            <a:endParaRPr/>
-          </a:p>
-          <a:p>
-            <a:pPr lvl="1">
-              <a:buSzPct val="75000"/>
-              <a:buFont typeface="StarSymbol"/>
-              <a:buChar char=""/>
-            </a:pPr>
-            <a:r>
-              <a:rPr lang="de-CH"/>
-              <a:t>384 Mannstunden</a:t>
-            </a:r>
-            <a:endParaRPr/>
-          </a:p>
-          <a:p>
-            <a:pPr lvl="1">
-              <a:buSzPct val="75000"/>
-              <a:buFont typeface="StarSymbol"/>
-              <a:buChar char=""/>
-            </a:pPr>
-            <a:r>
-              <a:rPr lang="de-CH"/>
-              <a:t>App-Preis 2.-</a:t>
-            </a:r>
-            <a:endParaRPr/>
-          </a:p>
-          <a:p>
-            <a:pPr lvl="1">
-              <a:buSzPct val="75000"/>
-              <a:buFont typeface="StarSymbol"/>
-              <a:buChar char=""/>
-            </a:pPr>
-            <a:r>
-              <a:rPr lang="de-CH"/>
-              <a:t>Ziel: 40'000 Downloads</a:t>
-            </a:r>
             <a:endParaRPr/>
           </a:p>
         </p:txBody>
       </p:sp>
     </p:spTree>
   </p:cSld>
-  <p:timing>
-    <p:tnLst>
-      <p:par>
-        <p:cTn dur="indefinite" id="5" nodeType="tmRoot" restart="never">
-          <p:childTnLst>
-            <p:seq>
-              <p:cTn id="6" nodeType="mainSeq">
-                <p:childTnLst/>
-              </p:cTn>
-              <p:prevCondLst>
-                <p:cond delay="0" evt="onPrev">
-                  <p:tgtEl>
-                    <p:sldTgt/>
-                  </p:tgtEl>
-                </p:cond>
-              </p:prevCondLst>
-              <p:nextCondLst>
-                <p:cond delay="0" evt="onNext">
-                  <p:tgtEl>
-                    <p:sldTgt/>
-                  </p:tgtEl>
-                </p:cond>
-              </p:nextCondLst>
-            </p:seq>
-          </p:childTnLst>
-        </p:cTn>
-      </p:par>
-    </p:tnLst>
-  </p:timing>
 </p:sld>
 </file>
 
